--- a/Lab Assignment #1.pptx
+++ b/Lab Assignment #1.pptx
@@ -36,6 +36,7 @@
     <p:sldId id="288" r:id="rId30"/>
     <p:sldId id="290" r:id="rId31"/>
     <p:sldId id="291" r:id="rId32"/>
+    <p:sldId id="294" r:id="rId33"/>
   </p:sldIdLst>
   <p:sldSz cx="12192000" cy="6858000"/>
   <p:notesSz cx="6858000" cy="9144000"/>
@@ -328,7 +329,7 @@
           <a:p>
             <a:fld id="{4AAD347D-5ACD-4C99-B74B-A9C85AD731AF}" type="datetimeFigureOut">
               <a:rPr lang="en-US" dirty="0"/>
-              <a:t>2020-09-14</a:t>
+              <a:t>2020-09-21</a:t>
             </a:fld>
             <a:endParaRPr lang="en-US" dirty="0"/>
           </a:p>
@@ -598,7 +599,7 @@
           <a:p>
             <a:fld id="{4509A250-FF31-4206-8172-F9D3106AACB1}" type="datetimeFigureOut">
               <a:rPr lang="en-US" dirty="0"/>
-              <a:t>2020-09-14</a:t>
+              <a:t>2020-09-21</a:t>
             </a:fld>
             <a:endParaRPr lang="en-US" dirty="0"/>
           </a:p>
@@ -787,7 +788,7 @@
           <a:p>
             <a:fld id="{4509A250-FF31-4206-8172-F9D3106AACB1}" type="datetimeFigureOut">
               <a:rPr lang="en-US" dirty="0"/>
-              <a:t>2020-09-14</a:t>
+              <a:t>2020-09-21</a:t>
             </a:fld>
             <a:endParaRPr lang="en-US" dirty="0"/>
           </a:p>
@@ -1055,7 +1056,7 @@
           <a:p>
             <a:fld id="{4509A250-FF31-4206-8172-F9D3106AACB1}" type="datetimeFigureOut">
               <a:rPr lang="en-US" dirty="0"/>
-              <a:t>2020-09-14</a:t>
+              <a:t>2020-09-21</a:t>
             </a:fld>
             <a:endParaRPr lang="en-US" dirty="0"/>
           </a:p>
@@ -1391,7 +1392,7 @@
           <a:p>
             <a:fld id="{4509A250-FF31-4206-8172-F9D3106AACB1}" type="datetimeFigureOut">
               <a:rPr lang="en-US" dirty="0"/>
-              <a:t>2020-09-14</a:t>
+              <a:t>2020-09-21</a:t>
             </a:fld>
             <a:endParaRPr lang="en-US" dirty="0"/>
           </a:p>
@@ -2009,7 +2010,7 @@
           <a:p>
             <a:fld id="{4509A250-FF31-4206-8172-F9D3106AACB1}" type="datetimeFigureOut">
               <a:rPr lang="en-US" dirty="0"/>
-              <a:t>2020-09-14</a:t>
+              <a:t>2020-09-21</a:t>
             </a:fld>
             <a:endParaRPr lang="en-US" dirty="0"/>
           </a:p>
@@ -2864,7 +2865,7 @@
           <a:p>
             <a:fld id="{4509A250-FF31-4206-8172-F9D3106AACB1}" type="datetimeFigureOut">
               <a:rPr lang="en-US" dirty="0"/>
-              <a:t>2020-09-14</a:t>
+              <a:t>2020-09-21</a:t>
             </a:fld>
             <a:endParaRPr lang="en-US" dirty="0"/>
           </a:p>
@@ -3029,7 +3030,7 @@
           <a:p>
             <a:fld id="{4509A250-FF31-4206-8172-F9D3106AACB1}" type="datetimeFigureOut">
               <a:rPr lang="en-US" dirty="0"/>
-              <a:t>2020-09-14</a:t>
+              <a:t>2020-09-21</a:t>
             </a:fld>
             <a:endParaRPr lang="en-US" dirty="0"/>
           </a:p>
@@ -3204,7 +3205,7 @@
           <a:p>
             <a:fld id="{4509A250-FF31-4206-8172-F9D3106AACB1}" type="datetimeFigureOut">
               <a:rPr lang="en-US" dirty="0"/>
-              <a:t>2020-09-14</a:t>
+              <a:t>2020-09-21</a:t>
             </a:fld>
             <a:endParaRPr lang="en-US" dirty="0"/>
           </a:p>
@@ -3369,7 +3370,7 @@
           <a:p>
             <a:fld id="{4509A250-FF31-4206-8172-F9D3106AACB1}" type="datetimeFigureOut">
               <a:rPr lang="en-US" dirty="0"/>
-              <a:t>2020-09-14</a:t>
+              <a:t>2020-09-21</a:t>
             </a:fld>
             <a:endParaRPr lang="en-US" dirty="0"/>
           </a:p>
@@ -3611,7 +3612,7 @@
           <a:p>
             <a:fld id="{9796027F-7875-4030-9381-8BD8C4F21935}" type="datetimeFigureOut">
               <a:rPr lang="en-US" dirty="0"/>
-              <a:t>2020-09-14</a:t>
+              <a:t>2020-09-21</a:t>
             </a:fld>
             <a:endParaRPr lang="en-US" dirty="0"/>
           </a:p>
@@ -3898,7 +3899,7 @@
           <a:p>
             <a:fld id="{9796027F-7875-4030-9381-8BD8C4F21935}" type="datetimeFigureOut">
               <a:rPr lang="en-US" dirty="0"/>
-              <a:t>2020-09-14</a:t>
+              <a:t>2020-09-21</a:t>
             </a:fld>
             <a:endParaRPr lang="en-US" dirty="0"/>
           </a:p>
@@ -4337,7 +4338,7 @@
           <a:p>
             <a:fld id="{9796027F-7875-4030-9381-8BD8C4F21935}" type="datetimeFigureOut">
               <a:rPr lang="en-US" dirty="0"/>
-              <a:t>2020-09-14</a:t>
+              <a:t>2020-09-21</a:t>
             </a:fld>
             <a:endParaRPr lang="en-US" dirty="0"/>
           </a:p>
@@ -4450,7 +4451,7 @@
           <a:p>
             <a:fld id="{4509A250-FF31-4206-8172-F9D3106AACB1}" type="datetimeFigureOut">
               <a:rPr lang="en-US" dirty="0"/>
-              <a:t>2020-09-14</a:t>
+              <a:t>2020-09-21</a:t>
             </a:fld>
             <a:endParaRPr lang="en-US" dirty="0"/>
           </a:p>
@@ -4540,7 +4541,7 @@
           <a:p>
             <a:fld id="{4509A250-FF31-4206-8172-F9D3106AACB1}" type="datetimeFigureOut">
               <a:rPr lang="en-US" dirty="0"/>
-              <a:t>2020-09-14</a:t>
+              <a:t>2020-09-21</a:t>
             </a:fld>
             <a:endParaRPr lang="en-US" dirty="0"/>
           </a:p>
@@ -4814,7 +4815,7 @@
           <a:p>
             <a:fld id="{4509A250-FF31-4206-8172-F9D3106AACB1}" type="datetimeFigureOut">
               <a:rPr lang="en-US" dirty="0"/>
-              <a:t>2020-09-14</a:t>
+              <a:t>2020-09-21</a:t>
             </a:fld>
             <a:endParaRPr lang="en-US" dirty="0"/>
           </a:p>
@@ -5084,7 +5085,7 @@
           <a:p>
             <a:fld id="{4509A250-FF31-4206-8172-F9D3106AACB1}" type="datetimeFigureOut">
               <a:rPr lang="en-US" dirty="0"/>
-              <a:t>2020-09-14</a:t>
+              <a:t>2020-09-21</a:t>
             </a:fld>
             <a:endParaRPr lang="en-US" dirty="0"/>
           </a:p>
@@ -5508,7 +5509,7 @@
           <a:p>
             <a:fld id="{4AAD347D-5ACD-4C99-B74B-A9C85AD731AF}" type="datetimeFigureOut">
               <a:rPr lang="en-US" dirty="0"/>
-              <a:t>2020-09-14</a:t>
+              <a:t>2020-09-21</a:t>
             </a:fld>
             <a:endParaRPr lang="en-US" dirty="0"/>
           </a:p>
@@ -10420,6 +10421,211 @@
 </p:sld>
 </file>
 
+<file path=ppt/slides/slide32.xml><?xml version="1.0" encoding="utf-8"?>
+<p:sld xmlns:a="http://schemas.openxmlformats.org/drawingml/2006/main" xmlns:r="http://schemas.openxmlformats.org/officeDocument/2006/relationships" xmlns:p="http://schemas.openxmlformats.org/presentationml/2006/main">
+  <p:cSld>
+    <p:spTree>
+      <p:nvGrpSpPr>
+        <p:cNvPr id="1" name=""/>
+        <p:cNvGrpSpPr/>
+        <p:nvPr/>
+      </p:nvGrpSpPr>
+      <p:grpSpPr>
+        <a:xfrm>
+          <a:off x="0" y="0"/>
+          <a:ext cx="0" cy="0"/>
+          <a:chOff x="0" y="0"/>
+          <a:chExt cx="0" cy="0"/>
+        </a:xfrm>
+      </p:grpSpPr>
+      <p:sp>
+        <p:nvSpPr>
+          <p:cNvPr id="2" name="Título 1">
+            <a:extLst>
+              <a:ext uri="{FF2B5EF4-FFF2-40B4-BE49-F238E27FC236}">
+                <a16:creationId xmlns:a16="http://schemas.microsoft.com/office/drawing/2014/main" id="{340220E0-882D-4057-951F-F96F8173DFCD}"/>
+              </a:ext>
+            </a:extLst>
+          </p:cNvPr>
+          <p:cNvSpPr>
+            <a:spLocks noGrp="1"/>
+          </p:cNvSpPr>
+          <p:nvPr>
+            <p:ph type="title"/>
+          </p:nvPr>
+        </p:nvSpPr>
+        <p:spPr/>
+        <p:txBody>
+          <a:bodyPr/>
+          <a:lstStyle/>
+          <a:p>
+            <a:r>
+              <a:rPr lang="en-US" dirty="0"/>
+              <a:t>Grading Policy</a:t>
+            </a:r>
+          </a:p>
+        </p:txBody>
+      </p:sp>
+      <p:sp>
+        <p:nvSpPr>
+          <p:cNvPr id="3" name="Marcador de contenido 2">
+            <a:extLst>
+              <a:ext uri="{FF2B5EF4-FFF2-40B4-BE49-F238E27FC236}">
+                <a16:creationId xmlns:a16="http://schemas.microsoft.com/office/drawing/2014/main" id="{A708F03B-7E4D-450D-BED3-FA4BCA320A3F}"/>
+              </a:ext>
+            </a:extLst>
+          </p:cNvPr>
+          <p:cNvSpPr>
+            <a:spLocks noGrp="1"/>
+          </p:cNvSpPr>
+          <p:nvPr>
+            <p:ph idx="1"/>
+          </p:nvPr>
+        </p:nvSpPr>
+        <p:spPr>
+          <a:xfrm>
+            <a:off x="1103312" y="1389530"/>
+            <a:ext cx="8946541" cy="4858870"/>
+          </a:xfrm>
+        </p:spPr>
+        <p:txBody>
+          <a:bodyPr>
+            <a:normAutofit fontScale="77500" lnSpcReduction="20000"/>
+          </a:bodyPr>
+          <a:lstStyle/>
+          <a:p>
+            <a:r>
+              <a:rPr lang="en-US" dirty="0"/>
+              <a:t>HTTP Library:</a:t>
+            </a:r>
+          </a:p>
+          <a:p>
+            <a:pPr lvl="1"/>
+            <a:r>
+              <a:rPr lang="en-US" dirty="0"/>
+              <a:t>Connectivity: 3 marks</a:t>
+            </a:r>
+          </a:p>
+          <a:p>
+            <a:pPr lvl="1"/>
+            <a:r>
+              <a:rPr lang="en-US" dirty="0"/>
+              <a:t>Design and Reusability: 1 mark</a:t>
+            </a:r>
+          </a:p>
+          <a:p>
+            <a:pPr lvl="1"/>
+            <a:r>
+              <a:rPr lang="en-US" dirty="0"/>
+              <a:t>Get request: 1 mark</a:t>
+            </a:r>
+          </a:p>
+          <a:p>
+            <a:pPr lvl="1"/>
+            <a:r>
+              <a:rPr lang="en-US" dirty="0"/>
+              <a:t>Post request: 1 mark</a:t>
+            </a:r>
+          </a:p>
+          <a:p>
+            <a:pPr lvl="1"/>
+            <a:r>
+              <a:rPr lang="en-US" dirty="0"/>
+              <a:t>Parsing (of response and commands): 1 mark.</a:t>
+            </a:r>
+          </a:p>
+          <a:p>
+            <a:r>
+              <a:rPr lang="en-US" dirty="0"/>
+              <a:t>Curl-like app</a:t>
+            </a:r>
+          </a:p>
+          <a:p>
+            <a:pPr lvl="1"/>
+            <a:r>
+              <a:rPr lang="en-US" dirty="0"/>
+              <a:t>Get command: 0.5 marks</a:t>
+            </a:r>
+          </a:p>
+          <a:p>
+            <a:pPr lvl="1"/>
+            <a:r>
+              <a:rPr lang="en-US" dirty="0"/>
+              <a:t>Post command: 0.5 marks</a:t>
+            </a:r>
+          </a:p>
+          <a:p>
+            <a:pPr lvl="1"/>
+            <a:r>
+              <a:rPr lang="en-US" dirty="0"/>
+              <a:t>Verbose: 0.5 marks</a:t>
+            </a:r>
+          </a:p>
+          <a:p>
+            <a:pPr lvl="1"/>
+            <a:r>
+              <a:rPr lang="en-US" dirty="0"/>
+              <a:t>Header: 0.5 marks</a:t>
+            </a:r>
+          </a:p>
+          <a:p>
+            <a:pPr lvl="1"/>
+            <a:r>
+              <a:rPr lang="en-US" dirty="0"/>
+              <a:t>Inline: 0.5 marks</a:t>
+            </a:r>
+          </a:p>
+          <a:p>
+            <a:pPr lvl="1"/>
+            <a:r>
+              <a:rPr lang="en-US" dirty="0"/>
+              <a:t>File: 0.5 marks</a:t>
+            </a:r>
+          </a:p>
+          <a:p>
+            <a:r>
+              <a:rPr lang="en-US" dirty="0"/>
+              <a:t>Optional:</a:t>
+            </a:r>
+          </a:p>
+          <a:p>
+            <a:pPr lvl="1"/>
+            <a:r>
+              <a:rPr lang="en-US" dirty="0"/>
+              <a:t>Supports redirect: 1.5 marks</a:t>
+            </a:r>
+          </a:p>
+          <a:p>
+            <a:pPr lvl="1"/>
+            <a:r>
+              <a:rPr lang="en-US" dirty="0"/>
+              <a:t>Supports –</a:t>
+            </a:r>
+            <a:r>
+              <a:rPr lang="en-US"/>
+              <a:t>o option: 0.5 marks</a:t>
+            </a:r>
+            <a:endParaRPr lang="en-US" dirty="0"/>
+          </a:p>
+          <a:p>
+            <a:pPr lvl="1"/>
+            <a:endParaRPr lang="en-US" dirty="0"/>
+          </a:p>
+        </p:txBody>
+      </p:sp>
+    </p:spTree>
+    <p:extLst>
+      <p:ext uri="{BB962C8B-B14F-4D97-AF65-F5344CB8AC3E}">
+        <p14:creationId xmlns:p14="http://schemas.microsoft.com/office/powerpoint/2010/main" val="431246980"/>
+      </p:ext>
+    </p:extLst>
+  </p:cSld>
+  <p:clrMapOvr>
+    <a:masterClrMapping/>
+  </p:clrMapOvr>
+</p:sld>
+</file>
+
 <file path=ppt/slides/slide4.xml><?xml version="1.0" encoding="utf-8"?>
 <p:sld xmlns:a="http://schemas.openxmlformats.org/drawingml/2006/main" xmlns:r="http://schemas.openxmlformats.org/officeDocument/2006/relationships" xmlns:p="http://schemas.openxmlformats.org/presentationml/2006/main">
   <p:cSld>

--- a/Lab Assignment #1.pptx
+++ b/Lab Assignment #1.pptx
@@ -10484,13 +10484,13 @@
         </p:nvSpPr>
         <p:spPr>
           <a:xfrm>
-            <a:off x="1103312" y="1389530"/>
-            <a:ext cx="8946541" cy="4858870"/>
+            <a:off x="1103312" y="1290918"/>
+            <a:ext cx="8946541" cy="5316070"/>
           </a:xfrm>
         </p:spPr>
         <p:txBody>
           <a:bodyPr>
-            <a:normAutofit fontScale="77500" lnSpcReduction="20000"/>
+            <a:normAutofit fontScale="85000" lnSpcReduction="20000"/>
           </a:bodyPr>
           <a:lstStyle/>
           <a:p>
@@ -10599,13 +10599,8 @@
             <a:pPr lvl="1"/>
             <a:r>
               <a:rPr lang="en-US" dirty="0"/>
-              <a:t>Supports –</a:t>
-            </a:r>
-            <a:r>
-              <a:rPr lang="en-US"/>
-              <a:t>o option: 0.5 marks</a:t>
-            </a:r>
-            <a:endParaRPr lang="en-US" dirty="0"/>
+              <a:t>Supports –o option: 0.5 marks</a:t>
+            </a:r>
           </a:p>
           <a:p>
             <a:pPr lvl="1"/>
